--- a/ppt 16-9/1390.主是生命粮.pptx
+++ b/ppt 16-9/1390.主是生命粮.pptx
@@ -5,7 +5,7 @@
     <p:sldMasterId id="2147483648" r:id="rId1"/>
   </p:sldMasterIdLst>
   <p:sldIdLst>
-    <p:sldId id="960" r:id="rId2"/>
+    <p:sldId id="961" r:id="rId2"/>
   </p:sldIdLst>
   <p:sldSz cx="12192000" cy="6858000"/>
   <p:notesSz cx="6858000" cy="9144000"/>
@@ -129,7 +129,7 @@
           <p:cNvPr id="2" name="标题 1">
             <a:extLst>
               <a:ext uri="{FF2B5EF4-FFF2-40B4-BE49-F238E27FC236}">
-                <a16:creationId xmlns:a16="http://schemas.microsoft.com/office/drawing/2014/main" id="{383419C0-BD26-2B4C-7315-B4A831C10697}"/>
+                <a16:creationId xmlns:a16="http://schemas.microsoft.com/office/drawing/2014/main" id="{79CC487E-7B16-A684-D5FB-76185CD0FE69}"/>
               </a:ext>
             </a:extLst>
           </p:cNvPr>
@@ -166,7 +166,7 @@
           <p:cNvPr id="3" name="副标题 2">
             <a:extLst>
               <a:ext uri="{FF2B5EF4-FFF2-40B4-BE49-F238E27FC236}">
-                <a16:creationId xmlns:a16="http://schemas.microsoft.com/office/drawing/2014/main" id="{97DC0425-F31B-0E14-05F3-038F18DC6618}"/>
+                <a16:creationId xmlns:a16="http://schemas.microsoft.com/office/drawing/2014/main" id="{F5E38752-06FB-44CD-1264-BB0B41F6BDB8}"/>
               </a:ext>
             </a:extLst>
           </p:cNvPr>
@@ -236,7 +236,7 @@
           <p:cNvPr id="4" name="日期占位符 3">
             <a:extLst>
               <a:ext uri="{FF2B5EF4-FFF2-40B4-BE49-F238E27FC236}">
-                <a16:creationId xmlns:a16="http://schemas.microsoft.com/office/drawing/2014/main" id="{BE585324-C7B8-A13B-CF3B-99058984D23D}"/>
+                <a16:creationId xmlns:a16="http://schemas.microsoft.com/office/drawing/2014/main" id="{AC00614B-FC9E-8CD9-C2FE-CD52E691E923}"/>
               </a:ext>
             </a:extLst>
           </p:cNvPr>
@@ -252,7 +252,7 @@
           <a:bodyPr/>
           <a:lstStyle/>
           <a:p>
-            <a:fld id="{35675A52-B0DB-4E9D-AC53-3584CCD4FDFB}" type="datetimeFigureOut">
+            <a:fld id="{1C24E63C-CA52-4666-BE8D-92D3CB3D0F62}" type="datetimeFigureOut">
               <a:rPr lang="zh-CN" altLang="en-US" smtClean="0"/>
               <a:t>2024/3/10</a:t>
             </a:fld>
@@ -265,7 +265,7 @@
           <p:cNvPr id="5" name="页脚占位符 4">
             <a:extLst>
               <a:ext uri="{FF2B5EF4-FFF2-40B4-BE49-F238E27FC236}">
-                <a16:creationId xmlns:a16="http://schemas.microsoft.com/office/drawing/2014/main" id="{92E5ABD7-ABA2-B50A-5AC4-2A728E9F8D9A}"/>
+                <a16:creationId xmlns:a16="http://schemas.microsoft.com/office/drawing/2014/main" id="{3923B455-3C8D-AB77-B635-8866496B29C5}"/>
               </a:ext>
             </a:extLst>
           </p:cNvPr>
@@ -290,7 +290,7 @@
           <p:cNvPr id="6" name="灯片编号占位符 5">
             <a:extLst>
               <a:ext uri="{FF2B5EF4-FFF2-40B4-BE49-F238E27FC236}">
-                <a16:creationId xmlns:a16="http://schemas.microsoft.com/office/drawing/2014/main" id="{E14AC8BB-2933-7179-AE6A-B9A025921B56}"/>
+                <a16:creationId xmlns:a16="http://schemas.microsoft.com/office/drawing/2014/main" id="{B50ADD92-FED0-7223-765B-376C5B006487}"/>
               </a:ext>
             </a:extLst>
           </p:cNvPr>
@@ -306,7 +306,7 @@
           <a:bodyPr/>
           <a:lstStyle/>
           <a:p>
-            <a:fld id="{FC088252-00AC-4CD9-9902-902F0FB95EDE}" type="slidenum">
+            <a:fld id="{CEAB433C-ECCA-4A74-BE41-6717D0D7ABE1}" type="slidenum">
               <a:rPr lang="zh-CN" altLang="en-US" smtClean="0"/>
               <a:t>‹#›</a:t>
             </a:fld>
@@ -317,7 +317,7 @@
     </p:spTree>
     <p:extLst>
       <p:ext uri="{BB962C8B-B14F-4D97-AF65-F5344CB8AC3E}">
-        <p14:creationId xmlns:p14="http://schemas.microsoft.com/office/powerpoint/2010/main" val="1505944931"/>
+        <p14:creationId xmlns:p14="http://schemas.microsoft.com/office/powerpoint/2010/main" val="3187504742"/>
       </p:ext>
     </p:extLst>
   </p:cSld>
@@ -349,7 +349,7 @@
           <p:cNvPr id="2" name="标题 1">
             <a:extLst>
               <a:ext uri="{FF2B5EF4-FFF2-40B4-BE49-F238E27FC236}">
-                <a16:creationId xmlns:a16="http://schemas.microsoft.com/office/drawing/2014/main" id="{7892D248-E8A7-4FF8-A665-DD05EB666FB7}"/>
+                <a16:creationId xmlns:a16="http://schemas.microsoft.com/office/drawing/2014/main" id="{705AA832-2953-7147-42D7-C3DF57ABB50A}"/>
               </a:ext>
             </a:extLst>
           </p:cNvPr>
@@ -377,7 +377,7 @@
           <p:cNvPr id="3" name="竖排文字占位符 2">
             <a:extLst>
               <a:ext uri="{FF2B5EF4-FFF2-40B4-BE49-F238E27FC236}">
-                <a16:creationId xmlns:a16="http://schemas.microsoft.com/office/drawing/2014/main" id="{1AF87AA4-E8C0-D0A6-CE15-54193DCE9BEE}"/>
+                <a16:creationId xmlns:a16="http://schemas.microsoft.com/office/drawing/2014/main" id="{3F3BD506-627D-C249-7E38-3433E3170BBD}"/>
               </a:ext>
             </a:extLst>
           </p:cNvPr>
@@ -434,7 +434,7 @@
           <p:cNvPr id="4" name="日期占位符 3">
             <a:extLst>
               <a:ext uri="{FF2B5EF4-FFF2-40B4-BE49-F238E27FC236}">
-                <a16:creationId xmlns:a16="http://schemas.microsoft.com/office/drawing/2014/main" id="{739CEE09-EE04-917A-123F-1D6DCD597BC3}"/>
+                <a16:creationId xmlns:a16="http://schemas.microsoft.com/office/drawing/2014/main" id="{00340C67-B660-34F6-08B5-E013767B6946}"/>
               </a:ext>
             </a:extLst>
           </p:cNvPr>
@@ -450,7 +450,7 @@
           <a:bodyPr/>
           <a:lstStyle/>
           <a:p>
-            <a:fld id="{35675A52-B0DB-4E9D-AC53-3584CCD4FDFB}" type="datetimeFigureOut">
+            <a:fld id="{1C24E63C-CA52-4666-BE8D-92D3CB3D0F62}" type="datetimeFigureOut">
               <a:rPr lang="zh-CN" altLang="en-US" smtClean="0"/>
               <a:t>2024/3/10</a:t>
             </a:fld>
@@ -463,7 +463,7 @@
           <p:cNvPr id="5" name="页脚占位符 4">
             <a:extLst>
               <a:ext uri="{FF2B5EF4-FFF2-40B4-BE49-F238E27FC236}">
-                <a16:creationId xmlns:a16="http://schemas.microsoft.com/office/drawing/2014/main" id="{ADD7CCCF-8476-C1A8-AFBA-DFFBB49738ED}"/>
+                <a16:creationId xmlns:a16="http://schemas.microsoft.com/office/drawing/2014/main" id="{17757ECE-6675-5F9C-0C03-EC099DD1F07C}"/>
               </a:ext>
             </a:extLst>
           </p:cNvPr>
@@ -488,7 +488,7 @@
           <p:cNvPr id="6" name="灯片编号占位符 5">
             <a:extLst>
               <a:ext uri="{FF2B5EF4-FFF2-40B4-BE49-F238E27FC236}">
-                <a16:creationId xmlns:a16="http://schemas.microsoft.com/office/drawing/2014/main" id="{A24967A9-CE45-C32B-6B83-C547CE4C5642}"/>
+                <a16:creationId xmlns:a16="http://schemas.microsoft.com/office/drawing/2014/main" id="{E9271169-27B5-D0E8-9286-260EBBB96EB7}"/>
               </a:ext>
             </a:extLst>
           </p:cNvPr>
@@ -504,7 +504,7 @@
           <a:bodyPr/>
           <a:lstStyle/>
           <a:p>
-            <a:fld id="{FC088252-00AC-4CD9-9902-902F0FB95EDE}" type="slidenum">
+            <a:fld id="{CEAB433C-ECCA-4A74-BE41-6717D0D7ABE1}" type="slidenum">
               <a:rPr lang="zh-CN" altLang="en-US" smtClean="0"/>
               <a:t>‹#›</a:t>
             </a:fld>
@@ -515,7 +515,7 @@
     </p:spTree>
     <p:extLst>
       <p:ext uri="{BB962C8B-B14F-4D97-AF65-F5344CB8AC3E}">
-        <p14:creationId xmlns:p14="http://schemas.microsoft.com/office/powerpoint/2010/main" val="2739804094"/>
+        <p14:creationId xmlns:p14="http://schemas.microsoft.com/office/powerpoint/2010/main" val="2852504391"/>
       </p:ext>
     </p:extLst>
   </p:cSld>
@@ -547,7 +547,7 @@
           <p:cNvPr id="2" name="竖排标题 1">
             <a:extLst>
               <a:ext uri="{FF2B5EF4-FFF2-40B4-BE49-F238E27FC236}">
-                <a16:creationId xmlns:a16="http://schemas.microsoft.com/office/drawing/2014/main" id="{3A87A56C-EFB9-05E4-EB87-342542380ACF}"/>
+                <a16:creationId xmlns:a16="http://schemas.microsoft.com/office/drawing/2014/main" id="{4734AEEE-3528-0369-EC88-810CC70896B8}"/>
               </a:ext>
             </a:extLst>
           </p:cNvPr>
@@ -580,7 +580,7 @@
           <p:cNvPr id="3" name="竖排文字占位符 2">
             <a:extLst>
               <a:ext uri="{FF2B5EF4-FFF2-40B4-BE49-F238E27FC236}">
-                <a16:creationId xmlns:a16="http://schemas.microsoft.com/office/drawing/2014/main" id="{526EF630-EBE0-624C-E4D0-7F5B6BD93FF6}"/>
+                <a16:creationId xmlns:a16="http://schemas.microsoft.com/office/drawing/2014/main" id="{F241FD00-FD04-20B5-26BC-8B34FBE6648D}"/>
               </a:ext>
             </a:extLst>
           </p:cNvPr>
@@ -642,7 +642,7 @@
           <p:cNvPr id="4" name="日期占位符 3">
             <a:extLst>
               <a:ext uri="{FF2B5EF4-FFF2-40B4-BE49-F238E27FC236}">
-                <a16:creationId xmlns:a16="http://schemas.microsoft.com/office/drawing/2014/main" id="{C44A816D-95CB-1410-9AC9-FDC7C9C5BA9E}"/>
+                <a16:creationId xmlns:a16="http://schemas.microsoft.com/office/drawing/2014/main" id="{F83365F1-3316-7CAC-6844-B0B15911A110}"/>
               </a:ext>
             </a:extLst>
           </p:cNvPr>
@@ -658,7 +658,7 @@
           <a:bodyPr/>
           <a:lstStyle/>
           <a:p>
-            <a:fld id="{35675A52-B0DB-4E9D-AC53-3584CCD4FDFB}" type="datetimeFigureOut">
+            <a:fld id="{1C24E63C-CA52-4666-BE8D-92D3CB3D0F62}" type="datetimeFigureOut">
               <a:rPr lang="zh-CN" altLang="en-US" smtClean="0"/>
               <a:t>2024/3/10</a:t>
             </a:fld>
@@ -671,7 +671,7 @@
           <p:cNvPr id="5" name="页脚占位符 4">
             <a:extLst>
               <a:ext uri="{FF2B5EF4-FFF2-40B4-BE49-F238E27FC236}">
-                <a16:creationId xmlns:a16="http://schemas.microsoft.com/office/drawing/2014/main" id="{8914D950-528C-8FC1-3A8E-331C96F81B80}"/>
+                <a16:creationId xmlns:a16="http://schemas.microsoft.com/office/drawing/2014/main" id="{3A8575AC-A789-F733-C821-FA193DD8F00E}"/>
               </a:ext>
             </a:extLst>
           </p:cNvPr>
@@ -696,7 +696,7 @@
           <p:cNvPr id="6" name="灯片编号占位符 5">
             <a:extLst>
               <a:ext uri="{FF2B5EF4-FFF2-40B4-BE49-F238E27FC236}">
-                <a16:creationId xmlns:a16="http://schemas.microsoft.com/office/drawing/2014/main" id="{667BD824-2A85-A7D6-0840-3C6789AADA6F}"/>
+                <a16:creationId xmlns:a16="http://schemas.microsoft.com/office/drawing/2014/main" id="{8E1F2B6B-3139-5413-A4B1-2E7FA42F64F8}"/>
               </a:ext>
             </a:extLst>
           </p:cNvPr>
@@ -712,7 +712,7 @@
           <a:bodyPr/>
           <a:lstStyle/>
           <a:p>
-            <a:fld id="{FC088252-00AC-4CD9-9902-902F0FB95EDE}" type="slidenum">
+            <a:fld id="{CEAB433C-ECCA-4A74-BE41-6717D0D7ABE1}" type="slidenum">
               <a:rPr lang="zh-CN" altLang="en-US" smtClean="0"/>
               <a:t>‹#›</a:t>
             </a:fld>
@@ -723,7 +723,7 @@
     </p:spTree>
     <p:extLst>
       <p:ext uri="{BB962C8B-B14F-4D97-AF65-F5344CB8AC3E}">
-        <p14:creationId xmlns:p14="http://schemas.microsoft.com/office/powerpoint/2010/main" val="3609106948"/>
+        <p14:creationId xmlns:p14="http://schemas.microsoft.com/office/powerpoint/2010/main" val="526406795"/>
       </p:ext>
     </p:extLst>
   </p:cSld>
@@ -755,7 +755,7 @@
           <p:cNvPr id="2" name="标题 1">
             <a:extLst>
               <a:ext uri="{FF2B5EF4-FFF2-40B4-BE49-F238E27FC236}">
-                <a16:creationId xmlns:a16="http://schemas.microsoft.com/office/drawing/2014/main" id="{33A4E44E-5623-F512-7240-30F14C137BD5}"/>
+                <a16:creationId xmlns:a16="http://schemas.microsoft.com/office/drawing/2014/main" id="{F249EF09-82C7-8E66-4795-117B58A320CF}"/>
               </a:ext>
             </a:extLst>
           </p:cNvPr>
@@ -783,7 +783,7 @@
           <p:cNvPr id="3" name="内容占位符 2">
             <a:extLst>
               <a:ext uri="{FF2B5EF4-FFF2-40B4-BE49-F238E27FC236}">
-                <a16:creationId xmlns:a16="http://schemas.microsoft.com/office/drawing/2014/main" id="{4DA4F01D-D88F-E93F-E79D-DEC6581F4764}"/>
+                <a16:creationId xmlns:a16="http://schemas.microsoft.com/office/drawing/2014/main" id="{9EA68FE1-8011-1ABE-486C-EFA0C7042EE6}"/>
               </a:ext>
             </a:extLst>
           </p:cNvPr>
@@ -840,7 +840,7 @@
           <p:cNvPr id="4" name="日期占位符 3">
             <a:extLst>
               <a:ext uri="{FF2B5EF4-FFF2-40B4-BE49-F238E27FC236}">
-                <a16:creationId xmlns:a16="http://schemas.microsoft.com/office/drawing/2014/main" id="{CCFFEFDC-AB0B-8573-7279-4651C283CB1E}"/>
+                <a16:creationId xmlns:a16="http://schemas.microsoft.com/office/drawing/2014/main" id="{6415A44F-8CA7-B8CA-D8AE-DC5A759969E3}"/>
               </a:ext>
             </a:extLst>
           </p:cNvPr>
@@ -856,7 +856,7 @@
           <a:bodyPr/>
           <a:lstStyle/>
           <a:p>
-            <a:fld id="{35675A52-B0DB-4E9D-AC53-3584CCD4FDFB}" type="datetimeFigureOut">
+            <a:fld id="{1C24E63C-CA52-4666-BE8D-92D3CB3D0F62}" type="datetimeFigureOut">
               <a:rPr lang="zh-CN" altLang="en-US" smtClean="0"/>
               <a:t>2024/3/10</a:t>
             </a:fld>
@@ -869,7 +869,7 @@
           <p:cNvPr id="5" name="页脚占位符 4">
             <a:extLst>
               <a:ext uri="{FF2B5EF4-FFF2-40B4-BE49-F238E27FC236}">
-                <a16:creationId xmlns:a16="http://schemas.microsoft.com/office/drawing/2014/main" id="{841548E0-BC43-C00B-1E9D-CAC39792313D}"/>
+                <a16:creationId xmlns:a16="http://schemas.microsoft.com/office/drawing/2014/main" id="{C39AFB4F-5FB1-5A23-97B2-F0F51C06CDC6}"/>
               </a:ext>
             </a:extLst>
           </p:cNvPr>
@@ -894,7 +894,7 @@
           <p:cNvPr id="6" name="灯片编号占位符 5">
             <a:extLst>
               <a:ext uri="{FF2B5EF4-FFF2-40B4-BE49-F238E27FC236}">
-                <a16:creationId xmlns:a16="http://schemas.microsoft.com/office/drawing/2014/main" id="{D3D97B58-C0EB-8200-3EF4-AC9AD1639013}"/>
+                <a16:creationId xmlns:a16="http://schemas.microsoft.com/office/drawing/2014/main" id="{1762C3EB-B52E-3BAB-00D4-62728D1459FF}"/>
               </a:ext>
             </a:extLst>
           </p:cNvPr>
@@ -910,7 +910,7 @@
           <a:bodyPr/>
           <a:lstStyle/>
           <a:p>
-            <a:fld id="{FC088252-00AC-4CD9-9902-902F0FB95EDE}" type="slidenum">
+            <a:fld id="{CEAB433C-ECCA-4A74-BE41-6717D0D7ABE1}" type="slidenum">
               <a:rPr lang="zh-CN" altLang="en-US" smtClean="0"/>
               <a:t>‹#›</a:t>
             </a:fld>
@@ -921,7 +921,7 @@
     </p:spTree>
     <p:extLst>
       <p:ext uri="{BB962C8B-B14F-4D97-AF65-F5344CB8AC3E}">
-        <p14:creationId xmlns:p14="http://schemas.microsoft.com/office/powerpoint/2010/main" val="2546800568"/>
+        <p14:creationId xmlns:p14="http://schemas.microsoft.com/office/powerpoint/2010/main" val="1000760997"/>
       </p:ext>
     </p:extLst>
   </p:cSld>
@@ -953,7 +953,7 @@
           <p:cNvPr id="2" name="标题 1">
             <a:extLst>
               <a:ext uri="{FF2B5EF4-FFF2-40B4-BE49-F238E27FC236}">
-                <a16:creationId xmlns:a16="http://schemas.microsoft.com/office/drawing/2014/main" id="{CECDA948-E651-4415-7E03-3641D147BAAD}"/>
+                <a16:creationId xmlns:a16="http://schemas.microsoft.com/office/drawing/2014/main" id="{7F9D07BE-D53E-51B5-C98F-FD420E4DFE7C}"/>
               </a:ext>
             </a:extLst>
           </p:cNvPr>
@@ -990,7 +990,7 @@
           <p:cNvPr id="3" name="文本占位符 2">
             <a:extLst>
               <a:ext uri="{FF2B5EF4-FFF2-40B4-BE49-F238E27FC236}">
-                <a16:creationId xmlns:a16="http://schemas.microsoft.com/office/drawing/2014/main" id="{2F7C4282-A085-C6D6-6362-B0CF00E551F7}"/>
+                <a16:creationId xmlns:a16="http://schemas.microsoft.com/office/drawing/2014/main" id="{EA69F378-9918-E857-CC32-C82D94757670}"/>
               </a:ext>
             </a:extLst>
           </p:cNvPr>
@@ -1115,7 +1115,7 @@
           <p:cNvPr id="4" name="日期占位符 3">
             <a:extLst>
               <a:ext uri="{FF2B5EF4-FFF2-40B4-BE49-F238E27FC236}">
-                <a16:creationId xmlns:a16="http://schemas.microsoft.com/office/drawing/2014/main" id="{65B12016-3487-603E-8F48-52A710E356E7}"/>
+                <a16:creationId xmlns:a16="http://schemas.microsoft.com/office/drawing/2014/main" id="{39B17992-841E-8DDE-0A36-0DA6F79845F5}"/>
               </a:ext>
             </a:extLst>
           </p:cNvPr>
@@ -1131,7 +1131,7 @@
           <a:bodyPr/>
           <a:lstStyle/>
           <a:p>
-            <a:fld id="{35675A52-B0DB-4E9D-AC53-3584CCD4FDFB}" type="datetimeFigureOut">
+            <a:fld id="{1C24E63C-CA52-4666-BE8D-92D3CB3D0F62}" type="datetimeFigureOut">
               <a:rPr lang="zh-CN" altLang="en-US" smtClean="0"/>
               <a:t>2024/3/10</a:t>
             </a:fld>
@@ -1144,7 +1144,7 @@
           <p:cNvPr id="5" name="页脚占位符 4">
             <a:extLst>
               <a:ext uri="{FF2B5EF4-FFF2-40B4-BE49-F238E27FC236}">
-                <a16:creationId xmlns:a16="http://schemas.microsoft.com/office/drawing/2014/main" id="{E167E22A-0DF8-B97B-4AB2-EFA769E415E0}"/>
+                <a16:creationId xmlns:a16="http://schemas.microsoft.com/office/drawing/2014/main" id="{5B51CD53-473A-97E4-6DE3-954DCC221D90}"/>
               </a:ext>
             </a:extLst>
           </p:cNvPr>
@@ -1169,7 +1169,7 @@
           <p:cNvPr id="6" name="灯片编号占位符 5">
             <a:extLst>
               <a:ext uri="{FF2B5EF4-FFF2-40B4-BE49-F238E27FC236}">
-                <a16:creationId xmlns:a16="http://schemas.microsoft.com/office/drawing/2014/main" id="{48F40303-8F46-483D-94CB-5CEB8C4672BB}"/>
+                <a16:creationId xmlns:a16="http://schemas.microsoft.com/office/drawing/2014/main" id="{27D4C2ED-B91E-4F80-FA92-01D532A32415}"/>
               </a:ext>
             </a:extLst>
           </p:cNvPr>
@@ -1185,7 +1185,7 @@
           <a:bodyPr/>
           <a:lstStyle/>
           <a:p>
-            <a:fld id="{FC088252-00AC-4CD9-9902-902F0FB95EDE}" type="slidenum">
+            <a:fld id="{CEAB433C-ECCA-4A74-BE41-6717D0D7ABE1}" type="slidenum">
               <a:rPr lang="zh-CN" altLang="en-US" smtClean="0"/>
               <a:t>‹#›</a:t>
             </a:fld>
@@ -1196,7 +1196,7 @@
     </p:spTree>
     <p:extLst>
       <p:ext uri="{BB962C8B-B14F-4D97-AF65-F5344CB8AC3E}">
-        <p14:creationId xmlns:p14="http://schemas.microsoft.com/office/powerpoint/2010/main" val="3074199706"/>
+        <p14:creationId xmlns:p14="http://schemas.microsoft.com/office/powerpoint/2010/main" val="3911532167"/>
       </p:ext>
     </p:extLst>
   </p:cSld>
@@ -1228,7 +1228,7 @@
           <p:cNvPr id="2" name="标题 1">
             <a:extLst>
               <a:ext uri="{FF2B5EF4-FFF2-40B4-BE49-F238E27FC236}">
-                <a16:creationId xmlns:a16="http://schemas.microsoft.com/office/drawing/2014/main" id="{3BC1479E-74D1-46AA-C40A-287FAA91C153}"/>
+                <a16:creationId xmlns:a16="http://schemas.microsoft.com/office/drawing/2014/main" id="{746A5528-4F3C-AA6C-6048-3438D9E62126}"/>
               </a:ext>
             </a:extLst>
           </p:cNvPr>
@@ -1256,7 +1256,7 @@
           <p:cNvPr id="3" name="内容占位符 2">
             <a:extLst>
               <a:ext uri="{FF2B5EF4-FFF2-40B4-BE49-F238E27FC236}">
-                <a16:creationId xmlns:a16="http://schemas.microsoft.com/office/drawing/2014/main" id="{F104F18E-DB51-8E56-FB63-70F2B1896BDB}"/>
+                <a16:creationId xmlns:a16="http://schemas.microsoft.com/office/drawing/2014/main" id="{610E1B57-437B-CDB3-649F-E32A32C041A6}"/>
               </a:ext>
             </a:extLst>
           </p:cNvPr>
@@ -1318,7 +1318,7 @@
           <p:cNvPr id="4" name="内容占位符 3">
             <a:extLst>
               <a:ext uri="{FF2B5EF4-FFF2-40B4-BE49-F238E27FC236}">
-                <a16:creationId xmlns:a16="http://schemas.microsoft.com/office/drawing/2014/main" id="{4F9E2E12-CDFE-3B1F-6280-358692BAF710}"/>
+                <a16:creationId xmlns:a16="http://schemas.microsoft.com/office/drawing/2014/main" id="{BFAD87C7-AA06-EB58-C66C-ACCF651685E9}"/>
               </a:ext>
             </a:extLst>
           </p:cNvPr>
@@ -1380,7 +1380,7 @@
           <p:cNvPr id="5" name="日期占位符 4">
             <a:extLst>
               <a:ext uri="{FF2B5EF4-FFF2-40B4-BE49-F238E27FC236}">
-                <a16:creationId xmlns:a16="http://schemas.microsoft.com/office/drawing/2014/main" id="{668D92F6-EE10-5842-E418-94418CDA9285}"/>
+                <a16:creationId xmlns:a16="http://schemas.microsoft.com/office/drawing/2014/main" id="{90D0D196-C522-C87D-12D2-AB1965D98C4C}"/>
               </a:ext>
             </a:extLst>
           </p:cNvPr>
@@ -1396,7 +1396,7 @@
           <a:bodyPr/>
           <a:lstStyle/>
           <a:p>
-            <a:fld id="{35675A52-B0DB-4E9D-AC53-3584CCD4FDFB}" type="datetimeFigureOut">
+            <a:fld id="{1C24E63C-CA52-4666-BE8D-92D3CB3D0F62}" type="datetimeFigureOut">
               <a:rPr lang="zh-CN" altLang="en-US" smtClean="0"/>
               <a:t>2024/3/10</a:t>
             </a:fld>
@@ -1409,7 +1409,7 @@
           <p:cNvPr id="6" name="页脚占位符 5">
             <a:extLst>
               <a:ext uri="{FF2B5EF4-FFF2-40B4-BE49-F238E27FC236}">
-                <a16:creationId xmlns:a16="http://schemas.microsoft.com/office/drawing/2014/main" id="{F186E1B5-0559-8113-FB98-2602ABA1F78D}"/>
+                <a16:creationId xmlns:a16="http://schemas.microsoft.com/office/drawing/2014/main" id="{61045238-9901-99CB-F43B-C1D621ADDFC0}"/>
               </a:ext>
             </a:extLst>
           </p:cNvPr>
@@ -1434,7 +1434,7 @@
           <p:cNvPr id="7" name="灯片编号占位符 6">
             <a:extLst>
               <a:ext uri="{FF2B5EF4-FFF2-40B4-BE49-F238E27FC236}">
-                <a16:creationId xmlns:a16="http://schemas.microsoft.com/office/drawing/2014/main" id="{03B6357D-EE69-56AD-04FA-448CDFE97C3F}"/>
+                <a16:creationId xmlns:a16="http://schemas.microsoft.com/office/drawing/2014/main" id="{18DDC97A-1EFD-72CC-2CAA-24D056C65AC1}"/>
               </a:ext>
             </a:extLst>
           </p:cNvPr>
@@ -1450,7 +1450,7 @@
           <a:bodyPr/>
           <a:lstStyle/>
           <a:p>
-            <a:fld id="{FC088252-00AC-4CD9-9902-902F0FB95EDE}" type="slidenum">
+            <a:fld id="{CEAB433C-ECCA-4A74-BE41-6717D0D7ABE1}" type="slidenum">
               <a:rPr lang="zh-CN" altLang="en-US" smtClean="0"/>
               <a:t>‹#›</a:t>
             </a:fld>
@@ -1461,7 +1461,7 @@
     </p:spTree>
     <p:extLst>
       <p:ext uri="{BB962C8B-B14F-4D97-AF65-F5344CB8AC3E}">
-        <p14:creationId xmlns:p14="http://schemas.microsoft.com/office/powerpoint/2010/main" val="1477173903"/>
+        <p14:creationId xmlns:p14="http://schemas.microsoft.com/office/powerpoint/2010/main" val="2530042263"/>
       </p:ext>
     </p:extLst>
   </p:cSld>
@@ -1493,7 +1493,7 @@
           <p:cNvPr id="2" name="标题 1">
             <a:extLst>
               <a:ext uri="{FF2B5EF4-FFF2-40B4-BE49-F238E27FC236}">
-                <a16:creationId xmlns:a16="http://schemas.microsoft.com/office/drawing/2014/main" id="{E4C8CEC1-7D3C-88AE-90C1-D32B1667B847}"/>
+                <a16:creationId xmlns:a16="http://schemas.microsoft.com/office/drawing/2014/main" id="{41C698DD-28CA-A29B-C411-3CD026C5CF40}"/>
               </a:ext>
             </a:extLst>
           </p:cNvPr>
@@ -1526,7 +1526,7 @@
           <p:cNvPr id="3" name="文本占位符 2">
             <a:extLst>
               <a:ext uri="{FF2B5EF4-FFF2-40B4-BE49-F238E27FC236}">
-                <a16:creationId xmlns:a16="http://schemas.microsoft.com/office/drawing/2014/main" id="{CADC3591-64ED-19CC-3635-CFD46C429AE8}"/>
+                <a16:creationId xmlns:a16="http://schemas.microsoft.com/office/drawing/2014/main" id="{E0E2FE8B-7286-B234-E072-1FCC23ACA6C8}"/>
               </a:ext>
             </a:extLst>
           </p:cNvPr>
@@ -1597,7 +1597,7 @@
           <p:cNvPr id="4" name="内容占位符 3">
             <a:extLst>
               <a:ext uri="{FF2B5EF4-FFF2-40B4-BE49-F238E27FC236}">
-                <a16:creationId xmlns:a16="http://schemas.microsoft.com/office/drawing/2014/main" id="{4A1AA68F-5127-796A-FBC8-CDB83A75FF3E}"/>
+                <a16:creationId xmlns:a16="http://schemas.microsoft.com/office/drawing/2014/main" id="{394CB596-E56D-FFB0-AA30-3E6D837FF999}"/>
               </a:ext>
             </a:extLst>
           </p:cNvPr>
@@ -1659,7 +1659,7 @@
           <p:cNvPr id="5" name="文本占位符 4">
             <a:extLst>
               <a:ext uri="{FF2B5EF4-FFF2-40B4-BE49-F238E27FC236}">
-                <a16:creationId xmlns:a16="http://schemas.microsoft.com/office/drawing/2014/main" id="{BF199F25-203D-9084-A665-9595F09FA662}"/>
+                <a16:creationId xmlns:a16="http://schemas.microsoft.com/office/drawing/2014/main" id="{36AE8286-1B58-ECD5-4EB7-A8B52D8951FC}"/>
               </a:ext>
             </a:extLst>
           </p:cNvPr>
@@ -1730,7 +1730,7 @@
           <p:cNvPr id="6" name="内容占位符 5">
             <a:extLst>
               <a:ext uri="{FF2B5EF4-FFF2-40B4-BE49-F238E27FC236}">
-                <a16:creationId xmlns:a16="http://schemas.microsoft.com/office/drawing/2014/main" id="{0941BC3E-380C-0A2C-3454-C03DF027D405}"/>
+                <a16:creationId xmlns:a16="http://schemas.microsoft.com/office/drawing/2014/main" id="{5EF31F97-5D63-E7A8-672C-FBD860D83275}"/>
               </a:ext>
             </a:extLst>
           </p:cNvPr>
@@ -1792,7 +1792,7 @@
           <p:cNvPr id="7" name="日期占位符 6">
             <a:extLst>
               <a:ext uri="{FF2B5EF4-FFF2-40B4-BE49-F238E27FC236}">
-                <a16:creationId xmlns:a16="http://schemas.microsoft.com/office/drawing/2014/main" id="{14331B28-9A51-ED93-A005-6E59ACF0AEB9}"/>
+                <a16:creationId xmlns:a16="http://schemas.microsoft.com/office/drawing/2014/main" id="{4D7E8611-63E5-560C-A954-7E54EF2BB920}"/>
               </a:ext>
             </a:extLst>
           </p:cNvPr>
@@ -1808,7 +1808,7 @@
           <a:bodyPr/>
           <a:lstStyle/>
           <a:p>
-            <a:fld id="{35675A52-B0DB-4E9D-AC53-3584CCD4FDFB}" type="datetimeFigureOut">
+            <a:fld id="{1C24E63C-CA52-4666-BE8D-92D3CB3D0F62}" type="datetimeFigureOut">
               <a:rPr lang="zh-CN" altLang="en-US" smtClean="0"/>
               <a:t>2024/3/10</a:t>
             </a:fld>
@@ -1821,7 +1821,7 @@
           <p:cNvPr id="8" name="页脚占位符 7">
             <a:extLst>
               <a:ext uri="{FF2B5EF4-FFF2-40B4-BE49-F238E27FC236}">
-                <a16:creationId xmlns:a16="http://schemas.microsoft.com/office/drawing/2014/main" id="{4D18CC0A-3D13-358E-0C30-C669C3CE5085}"/>
+                <a16:creationId xmlns:a16="http://schemas.microsoft.com/office/drawing/2014/main" id="{04B663AC-255C-DCA6-DB93-4366F7613246}"/>
               </a:ext>
             </a:extLst>
           </p:cNvPr>
@@ -1846,7 +1846,7 @@
           <p:cNvPr id="9" name="灯片编号占位符 8">
             <a:extLst>
               <a:ext uri="{FF2B5EF4-FFF2-40B4-BE49-F238E27FC236}">
-                <a16:creationId xmlns:a16="http://schemas.microsoft.com/office/drawing/2014/main" id="{9942B9F9-FED1-48A8-796E-8D470DDC971B}"/>
+                <a16:creationId xmlns:a16="http://schemas.microsoft.com/office/drawing/2014/main" id="{99C30C65-3801-D646-316C-CB8E884BE2A1}"/>
               </a:ext>
             </a:extLst>
           </p:cNvPr>
@@ -1862,7 +1862,7 @@
           <a:bodyPr/>
           <a:lstStyle/>
           <a:p>
-            <a:fld id="{FC088252-00AC-4CD9-9902-902F0FB95EDE}" type="slidenum">
+            <a:fld id="{CEAB433C-ECCA-4A74-BE41-6717D0D7ABE1}" type="slidenum">
               <a:rPr lang="zh-CN" altLang="en-US" smtClean="0"/>
               <a:t>‹#›</a:t>
             </a:fld>
@@ -1873,7 +1873,7 @@
     </p:spTree>
     <p:extLst>
       <p:ext uri="{BB962C8B-B14F-4D97-AF65-F5344CB8AC3E}">
-        <p14:creationId xmlns:p14="http://schemas.microsoft.com/office/powerpoint/2010/main" val="3471878224"/>
+        <p14:creationId xmlns:p14="http://schemas.microsoft.com/office/powerpoint/2010/main" val="3680039686"/>
       </p:ext>
     </p:extLst>
   </p:cSld>
@@ -1905,7 +1905,7 @@
           <p:cNvPr id="2" name="标题 1">
             <a:extLst>
               <a:ext uri="{FF2B5EF4-FFF2-40B4-BE49-F238E27FC236}">
-                <a16:creationId xmlns:a16="http://schemas.microsoft.com/office/drawing/2014/main" id="{D1ED6A49-5293-C044-AA35-F3416E74F236}"/>
+                <a16:creationId xmlns:a16="http://schemas.microsoft.com/office/drawing/2014/main" id="{72BA07CA-B820-8E06-3C37-69046A623939}"/>
               </a:ext>
             </a:extLst>
           </p:cNvPr>
@@ -1933,7 +1933,7 @@
           <p:cNvPr id="3" name="日期占位符 2">
             <a:extLst>
               <a:ext uri="{FF2B5EF4-FFF2-40B4-BE49-F238E27FC236}">
-                <a16:creationId xmlns:a16="http://schemas.microsoft.com/office/drawing/2014/main" id="{20207498-BF08-910C-BD4C-E405839F5A63}"/>
+                <a16:creationId xmlns:a16="http://schemas.microsoft.com/office/drawing/2014/main" id="{8AE46F2E-37FC-C210-F1AD-6D65B3D4C000}"/>
               </a:ext>
             </a:extLst>
           </p:cNvPr>
@@ -1949,7 +1949,7 @@
           <a:bodyPr/>
           <a:lstStyle/>
           <a:p>
-            <a:fld id="{35675A52-B0DB-4E9D-AC53-3584CCD4FDFB}" type="datetimeFigureOut">
+            <a:fld id="{1C24E63C-CA52-4666-BE8D-92D3CB3D0F62}" type="datetimeFigureOut">
               <a:rPr lang="zh-CN" altLang="en-US" smtClean="0"/>
               <a:t>2024/3/10</a:t>
             </a:fld>
@@ -1962,7 +1962,7 @@
           <p:cNvPr id="4" name="页脚占位符 3">
             <a:extLst>
               <a:ext uri="{FF2B5EF4-FFF2-40B4-BE49-F238E27FC236}">
-                <a16:creationId xmlns:a16="http://schemas.microsoft.com/office/drawing/2014/main" id="{6D0BD359-4D0D-2094-9C36-D226EDBF3AEE}"/>
+                <a16:creationId xmlns:a16="http://schemas.microsoft.com/office/drawing/2014/main" id="{8E4BC265-AD8E-D9F6-5A18-A12D6A9C5D6D}"/>
               </a:ext>
             </a:extLst>
           </p:cNvPr>
@@ -1987,7 +1987,7 @@
           <p:cNvPr id="5" name="灯片编号占位符 4">
             <a:extLst>
               <a:ext uri="{FF2B5EF4-FFF2-40B4-BE49-F238E27FC236}">
-                <a16:creationId xmlns:a16="http://schemas.microsoft.com/office/drawing/2014/main" id="{43EB076C-AE22-6C97-D55F-A958D7D4BDC1}"/>
+                <a16:creationId xmlns:a16="http://schemas.microsoft.com/office/drawing/2014/main" id="{4E770217-6FED-BC9E-89C0-07F093115CF6}"/>
               </a:ext>
             </a:extLst>
           </p:cNvPr>
@@ -2003,7 +2003,7 @@
           <a:bodyPr/>
           <a:lstStyle/>
           <a:p>
-            <a:fld id="{FC088252-00AC-4CD9-9902-902F0FB95EDE}" type="slidenum">
+            <a:fld id="{CEAB433C-ECCA-4A74-BE41-6717D0D7ABE1}" type="slidenum">
               <a:rPr lang="zh-CN" altLang="en-US" smtClean="0"/>
               <a:t>‹#›</a:t>
             </a:fld>
@@ -2014,7 +2014,7 @@
     </p:spTree>
     <p:extLst>
       <p:ext uri="{BB962C8B-B14F-4D97-AF65-F5344CB8AC3E}">
-        <p14:creationId xmlns:p14="http://schemas.microsoft.com/office/powerpoint/2010/main" val="3689208936"/>
+        <p14:creationId xmlns:p14="http://schemas.microsoft.com/office/powerpoint/2010/main" val="120955266"/>
       </p:ext>
     </p:extLst>
   </p:cSld>
@@ -2046,7 +2046,7 @@
           <p:cNvPr id="2" name="日期占位符 1">
             <a:extLst>
               <a:ext uri="{FF2B5EF4-FFF2-40B4-BE49-F238E27FC236}">
-                <a16:creationId xmlns:a16="http://schemas.microsoft.com/office/drawing/2014/main" id="{22819FEB-45D4-6E6D-DF3E-6F4CF79987EC}"/>
+                <a16:creationId xmlns:a16="http://schemas.microsoft.com/office/drawing/2014/main" id="{AA955011-32C4-4CB9-424B-1F82B1A65157}"/>
               </a:ext>
             </a:extLst>
           </p:cNvPr>
@@ -2062,7 +2062,7 @@
           <a:bodyPr/>
           <a:lstStyle/>
           <a:p>
-            <a:fld id="{35675A52-B0DB-4E9D-AC53-3584CCD4FDFB}" type="datetimeFigureOut">
+            <a:fld id="{1C24E63C-CA52-4666-BE8D-92D3CB3D0F62}" type="datetimeFigureOut">
               <a:rPr lang="zh-CN" altLang="en-US" smtClean="0"/>
               <a:t>2024/3/10</a:t>
             </a:fld>
@@ -2075,7 +2075,7 @@
           <p:cNvPr id="3" name="页脚占位符 2">
             <a:extLst>
               <a:ext uri="{FF2B5EF4-FFF2-40B4-BE49-F238E27FC236}">
-                <a16:creationId xmlns:a16="http://schemas.microsoft.com/office/drawing/2014/main" id="{E07B7FA9-5532-C5DD-45C1-AAA1CFEAA7E1}"/>
+                <a16:creationId xmlns:a16="http://schemas.microsoft.com/office/drawing/2014/main" id="{20C8ACEB-42AE-A765-BF70-8523001E21DB}"/>
               </a:ext>
             </a:extLst>
           </p:cNvPr>
@@ -2100,7 +2100,7 @@
           <p:cNvPr id="4" name="灯片编号占位符 3">
             <a:extLst>
               <a:ext uri="{FF2B5EF4-FFF2-40B4-BE49-F238E27FC236}">
-                <a16:creationId xmlns:a16="http://schemas.microsoft.com/office/drawing/2014/main" id="{DC87162A-6645-6479-217D-898755BF8030}"/>
+                <a16:creationId xmlns:a16="http://schemas.microsoft.com/office/drawing/2014/main" id="{C8F904E2-5056-4B7C-6DA6-59A4DCF11E59}"/>
               </a:ext>
             </a:extLst>
           </p:cNvPr>
@@ -2116,7 +2116,7 @@
           <a:bodyPr/>
           <a:lstStyle/>
           <a:p>
-            <a:fld id="{FC088252-00AC-4CD9-9902-902F0FB95EDE}" type="slidenum">
+            <a:fld id="{CEAB433C-ECCA-4A74-BE41-6717D0D7ABE1}" type="slidenum">
               <a:rPr lang="zh-CN" altLang="en-US" smtClean="0"/>
               <a:t>‹#›</a:t>
             </a:fld>
@@ -2127,7 +2127,7 @@
     </p:spTree>
     <p:extLst>
       <p:ext uri="{BB962C8B-B14F-4D97-AF65-F5344CB8AC3E}">
-        <p14:creationId xmlns:p14="http://schemas.microsoft.com/office/powerpoint/2010/main" val="2448442997"/>
+        <p14:creationId xmlns:p14="http://schemas.microsoft.com/office/powerpoint/2010/main" val="2084461248"/>
       </p:ext>
     </p:extLst>
   </p:cSld>
@@ -2159,7 +2159,7 @@
           <p:cNvPr id="2" name="标题 1">
             <a:extLst>
               <a:ext uri="{FF2B5EF4-FFF2-40B4-BE49-F238E27FC236}">
-                <a16:creationId xmlns:a16="http://schemas.microsoft.com/office/drawing/2014/main" id="{0F6F76E3-FF6D-B5A6-1C80-80C6D9C30F3E}"/>
+                <a16:creationId xmlns:a16="http://schemas.microsoft.com/office/drawing/2014/main" id="{E5147F45-8570-357A-18C4-809E2D416144}"/>
               </a:ext>
             </a:extLst>
           </p:cNvPr>
@@ -2196,7 +2196,7 @@
           <p:cNvPr id="3" name="内容占位符 2">
             <a:extLst>
               <a:ext uri="{FF2B5EF4-FFF2-40B4-BE49-F238E27FC236}">
-                <a16:creationId xmlns:a16="http://schemas.microsoft.com/office/drawing/2014/main" id="{022BF3D6-5163-E96C-F3A2-9E4BB03119AA}"/>
+                <a16:creationId xmlns:a16="http://schemas.microsoft.com/office/drawing/2014/main" id="{F0B50FC0-DC43-4FB1-7660-F359FBF2022E}"/>
               </a:ext>
             </a:extLst>
           </p:cNvPr>
@@ -2286,7 +2286,7 @@
           <p:cNvPr id="4" name="文本占位符 3">
             <a:extLst>
               <a:ext uri="{FF2B5EF4-FFF2-40B4-BE49-F238E27FC236}">
-                <a16:creationId xmlns:a16="http://schemas.microsoft.com/office/drawing/2014/main" id="{DF340B6F-8661-2B55-3546-35D3BF5249CF}"/>
+                <a16:creationId xmlns:a16="http://schemas.microsoft.com/office/drawing/2014/main" id="{ED2D5064-9605-0C9E-96D6-019CF137ED0B}"/>
               </a:ext>
             </a:extLst>
           </p:cNvPr>
@@ -2357,7 +2357,7 @@
           <p:cNvPr id="5" name="日期占位符 4">
             <a:extLst>
               <a:ext uri="{FF2B5EF4-FFF2-40B4-BE49-F238E27FC236}">
-                <a16:creationId xmlns:a16="http://schemas.microsoft.com/office/drawing/2014/main" id="{117E7CE5-DE07-0DE9-978D-9306F086000F}"/>
+                <a16:creationId xmlns:a16="http://schemas.microsoft.com/office/drawing/2014/main" id="{6DE0A256-0B1F-FA8C-8925-2F60668AB5CD}"/>
               </a:ext>
             </a:extLst>
           </p:cNvPr>
@@ -2373,7 +2373,7 @@
           <a:bodyPr/>
           <a:lstStyle/>
           <a:p>
-            <a:fld id="{35675A52-B0DB-4E9D-AC53-3584CCD4FDFB}" type="datetimeFigureOut">
+            <a:fld id="{1C24E63C-CA52-4666-BE8D-92D3CB3D0F62}" type="datetimeFigureOut">
               <a:rPr lang="zh-CN" altLang="en-US" smtClean="0"/>
               <a:t>2024/3/10</a:t>
             </a:fld>
@@ -2386,7 +2386,7 @@
           <p:cNvPr id="6" name="页脚占位符 5">
             <a:extLst>
               <a:ext uri="{FF2B5EF4-FFF2-40B4-BE49-F238E27FC236}">
-                <a16:creationId xmlns:a16="http://schemas.microsoft.com/office/drawing/2014/main" id="{70F1F273-F53E-61E9-F683-CE93F2E8CFAA}"/>
+                <a16:creationId xmlns:a16="http://schemas.microsoft.com/office/drawing/2014/main" id="{A1F100C9-54F1-ED9F-546D-BF0176C5897B}"/>
               </a:ext>
             </a:extLst>
           </p:cNvPr>
@@ -2411,7 +2411,7 @@
           <p:cNvPr id="7" name="灯片编号占位符 6">
             <a:extLst>
               <a:ext uri="{FF2B5EF4-FFF2-40B4-BE49-F238E27FC236}">
-                <a16:creationId xmlns:a16="http://schemas.microsoft.com/office/drawing/2014/main" id="{3707F89B-B715-CC93-B33A-A5046E50D8DE}"/>
+                <a16:creationId xmlns:a16="http://schemas.microsoft.com/office/drawing/2014/main" id="{B1DB9BB8-DF0F-A9AE-1728-5E5408AC0170}"/>
               </a:ext>
             </a:extLst>
           </p:cNvPr>
@@ -2427,7 +2427,7 @@
           <a:bodyPr/>
           <a:lstStyle/>
           <a:p>
-            <a:fld id="{FC088252-00AC-4CD9-9902-902F0FB95EDE}" type="slidenum">
+            <a:fld id="{CEAB433C-ECCA-4A74-BE41-6717D0D7ABE1}" type="slidenum">
               <a:rPr lang="zh-CN" altLang="en-US" smtClean="0"/>
               <a:t>‹#›</a:t>
             </a:fld>
@@ -2438,7 +2438,7 @@
     </p:spTree>
     <p:extLst>
       <p:ext uri="{BB962C8B-B14F-4D97-AF65-F5344CB8AC3E}">
-        <p14:creationId xmlns:p14="http://schemas.microsoft.com/office/powerpoint/2010/main" val="2229350326"/>
+        <p14:creationId xmlns:p14="http://schemas.microsoft.com/office/powerpoint/2010/main" val="1981697933"/>
       </p:ext>
     </p:extLst>
   </p:cSld>
@@ -2470,7 +2470,7 @@
           <p:cNvPr id="2" name="标题 1">
             <a:extLst>
               <a:ext uri="{FF2B5EF4-FFF2-40B4-BE49-F238E27FC236}">
-                <a16:creationId xmlns:a16="http://schemas.microsoft.com/office/drawing/2014/main" id="{29CAE4D6-25B6-F781-0167-37864E184CE3}"/>
+                <a16:creationId xmlns:a16="http://schemas.microsoft.com/office/drawing/2014/main" id="{BA7F4588-899B-DD05-7F7A-7D95E00AE053}"/>
               </a:ext>
             </a:extLst>
           </p:cNvPr>
@@ -2507,7 +2507,7 @@
           <p:cNvPr id="3" name="图片占位符 2">
             <a:extLst>
               <a:ext uri="{FF2B5EF4-FFF2-40B4-BE49-F238E27FC236}">
-                <a16:creationId xmlns:a16="http://schemas.microsoft.com/office/drawing/2014/main" id="{2F4A3550-4A58-6962-245A-D19C272491AC}"/>
+                <a16:creationId xmlns:a16="http://schemas.microsoft.com/office/drawing/2014/main" id="{ABCB040A-07FB-F998-FB80-5E55A877D3C8}"/>
               </a:ext>
             </a:extLst>
           </p:cNvPr>
@@ -2574,7 +2574,7 @@
           <p:cNvPr id="4" name="文本占位符 3">
             <a:extLst>
               <a:ext uri="{FF2B5EF4-FFF2-40B4-BE49-F238E27FC236}">
-                <a16:creationId xmlns:a16="http://schemas.microsoft.com/office/drawing/2014/main" id="{694AE546-517F-50A9-C081-BD58CD39A631}"/>
+                <a16:creationId xmlns:a16="http://schemas.microsoft.com/office/drawing/2014/main" id="{EF113330-558A-CF50-C1C9-644BD3023F30}"/>
               </a:ext>
             </a:extLst>
           </p:cNvPr>
@@ -2645,7 +2645,7 @@
           <p:cNvPr id="5" name="日期占位符 4">
             <a:extLst>
               <a:ext uri="{FF2B5EF4-FFF2-40B4-BE49-F238E27FC236}">
-                <a16:creationId xmlns:a16="http://schemas.microsoft.com/office/drawing/2014/main" id="{317FF847-3161-30CB-E144-EB1C5E1E8D83}"/>
+                <a16:creationId xmlns:a16="http://schemas.microsoft.com/office/drawing/2014/main" id="{C2E48BBA-3054-BBC4-6548-9A0ECBAC6942}"/>
               </a:ext>
             </a:extLst>
           </p:cNvPr>
@@ -2661,7 +2661,7 @@
           <a:bodyPr/>
           <a:lstStyle/>
           <a:p>
-            <a:fld id="{35675A52-B0DB-4E9D-AC53-3584CCD4FDFB}" type="datetimeFigureOut">
+            <a:fld id="{1C24E63C-CA52-4666-BE8D-92D3CB3D0F62}" type="datetimeFigureOut">
               <a:rPr lang="zh-CN" altLang="en-US" smtClean="0"/>
               <a:t>2024/3/10</a:t>
             </a:fld>
@@ -2674,7 +2674,7 @@
           <p:cNvPr id="6" name="页脚占位符 5">
             <a:extLst>
               <a:ext uri="{FF2B5EF4-FFF2-40B4-BE49-F238E27FC236}">
-                <a16:creationId xmlns:a16="http://schemas.microsoft.com/office/drawing/2014/main" id="{BD6CD117-8A16-D8D9-FDCB-887775C72BA0}"/>
+                <a16:creationId xmlns:a16="http://schemas.microsoft.com/office/drawing/2014/main" id="{1E4CC950-B00F-5372-8F69-DC88E3204E29}"/>
               </a:ext>
             </a:extLst>
           </p:cNvPr>
@@ -2699,7 +2699,7 @@
           <p:cNvPr id="7" name="灯片编号占位符 6">
             <a:extLst>
               <a:ext uri="{FF2B5EF4-FFF2-40B4-BE49-F238E27FC236}">
-                <a16:creationId xmlns:a16="http://schemas.microsoft.com/office/drawing/2014/main" id="{8A5B2420-0BC5-CF52-819A-AD8BFCF3B6DD}"/>
+                <a16:creationId xmlns:a16="http://schemas.microsoft.com/office/drawing/2014/main" id="{46C70C1D-1A40-AAE2-C6F1-4A68FBA7DC2F}"/>
               </a:ext>
             </a:extLst>
           </p:cNvPr>
@@ -2715,7 +2715,7 @@
           <a:bodyPr/>
           <a:lstStyle/>
           <a:p>
-            <a:fld id="{FC088252-00AC-4CD9-9902-902F0FB95EDE}" type="slidenum">
+            <a:fld id="{CEAB433C-ECCA-4A74-BE41-6717D0D7ABE1}" type="slidenum">
               <a:rPr lang="zh-CN" altLang="en-US" smtClean="0"/>
               <a:t>‹#›</a:t>
             </a:fld>
@@ -2726,7 +2726,7 @@
     </p:spTree>
     <p:extLst>
       <p:ext uri="{BB962C8B-B14F-4D97-AF65-F5344CB8AC3E}">
-        <p14:creationId xmlns:p14="http://schemas.microsoft.com/office/powerpoint/2010/main" val="1036801982"/>
+        <p14:creationId xmlns:p14="http://schemas.microsoft.com/office/powerpoint/2010/main" val="3716082362"/>
       </p:ext>
     </p:extLst>
   </p:cSld>
@@ -2763,7 +2763,7 @@
           <p:cNvPr id="2" name="标题占位符 1">
             <a:extLst>
               <a:ext uri="{FF2B5EF4-FFF2-40B4-BE49-F238E27FC236}">
-                <a16:creationId xmlns:a16="http://schemas.microsoft.com/office/drawing/2014/main" id="{543DC5D5-2980-D6BE-0B2A-65D6B84E9E5A}"/>
+                <a16:creationId xmlns:a16="http://schemas.microsoft.com/office/drawing/2014/main" id="{D5A1EFFB-17C6-8C81-760E-5B29DAF4EBA1}"/>
               </a:ext>
             </a:extLst>
           </p:cNvPr>
@@ -2801,7 +2801,7 @@
           <p:cNvPr id="3" name="文本占位符 2">
             <a:extLst>
               <a:ext uri="{FF2B5EF4-FFF2-40B4-BE49-F238E27FC236}">
-                <a16:creationId xmlns:a16="http://schemas.microsoft.com/office/drawing/2014/main" id="{10DC9008-A76C-DDF9-5E35-41A3B3F3AFC2}"/>
+                <a16:creationId xmlns:a16="http://schemas.microsoft.com/office/drawing/2014/main" id="{04C09A6B-C527-7377-49CF-12A14ADEB8D7}"/>
               </a:ext>
             </a:extLst>
           </p:cNvPr>
@@ -2868,7 +2868,7 @@
           <p:cNvPr id="4" name="日期占位符 3">
             <a:extLst>
               <a:ext uri="{FF2B5EF4-FFF2-40B4-BE49-F238E27FC236}">
-                <a16:creationId xmlns:a16="http://schemas.microsoft.com/office/drawing/2014/main" id="{43BEE492-0C4D-588C-DA18-D0590B6EC689}"/>
+                <a16:creationId xmlns:a16="http://schemas.microsoft.com/office/drawing/2014/main" id="{6FFBEDDE-3F91-D14A-FDC3-B77A6936F994}"/>
               </a:ext>
             </a:extLst>
           </p:cNvPr>
@@ -2902,7 +2902,7 @@
             </a:lvl1pPr>
           </a:lstStyle>
           <a:p>
-            <a:fld id="{35675A52-B0DB-4E9D-AC53-3584CCD4FDFB}" type="datetimeFigureOut">
+            <a:fld id="{1C24E63C-CA52-4666-BE8D-92D3CB3D0F62}" type="datetimeFigureOut">
               <a:rPr lang="zh-CN" altLang="en-US" smtClean="0"/>
               <a:t>2024/3/10</a:t>
             </a:fld>
@@ -2915,7 +2915,7 @@
           <p:cNvPr id="5" name="页脚占位符 4">
             <a:extLst>
               <a:ext uri="{FF2B5EF4-FFF2-40B4-BE49-F238E27FC236}">
-                <a16:creationId xmlns:a16="http://schemas.microsoft.com/office/drawing/2014/main" id="{C3369C05-562C-5BEE-0322-FB1742FA4A33}"/>
+                <a16:creationId xmlns:a16="http://schemas.microsoft.com/office/drawing/2014/main" id="{D096AF36-6BFA-37F8-2A72-1C532B857E1D}"/>
               </a:ext>
             </a:extLst>
           </p:cNvPr>
@@ -2958,7 +2958,7 @@
           <p:cNvPr id="6" name="灯片编号占位符 5">
             <a:extLst>
               <a:ext uri="{FF2B5EF4-FFF2-40B4-BE49-F238E27FC236}">
-                <a16:creationId xmlns:a16="http://schemas.microsoft.com/office/drawing/2014/main" id="{C4C3EB35-D57E-A3CF-ACDA-9ABEF1C2E601}"/>
+                <a16:creationId xmlns:a16="http://schemas.microsoft.com/office/drawing/2014/main" id="{051FF1AB-E7ED-F15A-D368-771167EA9F76}"/>
               </a:ext>
             </a:extLst>
           </p:cNvPr>
@@ -2992,7 +2992,7 @@
             </a:lvl1pPr>
           </a:lstStyle>
           <a:p>
-            <a:fld id="{FC088252-00AC-4CD9-9902-902F0FB95EDE}" type="slidenum">
+            <a:fld id="{CEAB433C-ECCA-4A74-BE41-6717D0D7ABE1}" type="slidenum">
               <a:rPr lang="zh-CN" altLang="en-US" smtClean="0"/>
               <a:t>‹#›</a:t>
             </a:fld>
@@ -3003,7 +3003,7 @@
     </p:spTree>
     <p:extLst>
       <p:ext uri="{BB962C8B-B14F-4D97-AF65-F5344CB8AC3E}">
-        <p14:creationId xmlns:p14="http://schemas.microsoft.com/office/powerpoint/2010/main" val="2628670594"/>
+        <p14:creationId xmlns:p14="http://schemas.microsoft.com/office/powerpoint/2010/main" val="1092036833"/>
       </p:ext>
     </p:extLst>
   </p:cSld>
@@ -3323,7 +3323,7 @@
       </p:grpSpPr>
       <p:pic>
         <p:nvPicPr>
-          <p:cNvPr id="1423362" name="Picture 2" descr="1389"/>
+          <p:cNvPr id="1424386" name="Picture 2" descr="1390"/>
           <p:cNvPicPr>
             <a:picLocks noChangeAspect="1" noChangeArrowheads="1"/>
           </p:cNvPicPr>
